--- a/papers/Intellisys/figs/time_exec.pptx
+++ b/papers/Intellisys/figs/time_exec.pptx
@@ -5,7 +5,7 @@
     <p:sldMasterId id="2147483648" r:id="rId1"/>
   </p:sldMasterIdLst>
   <p:sldIdLst>
-    <p:sldId id="256" r:id="rId2"/>
+    <p:sldId id="257" r:id="rId2"/>
   </p:sldIdLst>
   <p:sldSz cx="12192000" cy="6858000"/>
   <p:notesSz cx="6858000" cy="9144000"/>
@@ -104,6 +104,11 @@
       </a:defRPr>
     </a:lvl9pPr>
   </p:defaultTextStyle>
+  <p:extLst>
+    <p:ext uri="{EFAFB233-063F-42B5-8137-9DF3F51BA10A}">
+      <p15:sldGuideLst xmlns:p15="http://schemas.microsoft.com/office/powerpoint/2012/main"/>
+    </p:ext>
+  </p:extLst>
 </p:presentation>
 </file>
 
@@ -132,7 +137,7 @@
           <a:lstStyle/>
           <a:p>
             <a:pPr>
-              <a:defRPr sz="1600" b="1" i="0" u="none" strike="noStrike" kern="1200" cap="all" spc="120" normalizeH="0" baseline="0">
+              <a:defRPr sz="2400" b="1" i="0" u="none" strike="noStrike" kern="1200" cap="all" spc="120" normalizeH="0" baseline="0">
                 <a:solidFill>
                   <a:schemeClr val="tx1">
                     <a:lumMod val="65000"/>
@@ -145,41 +150,17 @@
               </a:defRPr>
             </a:pPr>
             <a:r>
-              <a:rPr lang="fr-FR" sz="2400" cap="none" dirty="0"/>
+              <a:rPr lang="fr-FR" sz="2400"/>
               <a:t>Time</a:t>
             </a:r>
             <a:r>
-              <a:rPr lang="fr-FR" sz="2400" cap="none" baseline="0" dirty="0"/>
-              <a:t> </a:t>
-            </a:r>
-            <a:r>
-              <a:rPr lang="fr-FR" sz="2400" cap="none" baseline="0" dirty="0" err="1"/>
-              <a:t>Execution</a:t>
-            </a:r>
-            <a:r>
-              <a:rPr lang="fr-FR" sz="2400" cap="none" baseline="0" dirty="0"/>
-              <a:t> (</a:t>
-            </a:r>
-            <a:r>
-              <a:rPr lang="fr-FR" sz="2400" cap="none" baseline="0" dirty="0" err="1"/>
-              <a:t>Millisecond</a:t>
-            </a:r>
-            <a:r>
-              <a:rPr lang="fr-FR" sz="2400" cap="none" baseline="0" dirty="0"/>
-              <a:t>)</a:t>
-            </a:r>
-            <a:endParaRPr lang="fr-FR" sz="2400" cap="none" dirty="0"/>
+              <a:rPr lang="fr-FR" sz="2400" baseline="0"/>
+              <a:t> execution Per turn (millisecond)</a:t>
+            </a:r>
+            <a:endParaRPr lang="fr-FR" sz="2400"/>
           </a:p>
         </c:rich>
       </c:tx>
-      <c:layout>
-        <c:manualLayout>
-          <c:xMode val="edge"/>
-          <c:yMode val="edge"/>
-          <c:x val="0.24501674633768722"/>
-          <c:y val="7.1655327998561252E-2"/>
-        </c:manualLayout>
-      </c:layout>
       <c:overlay val="0"/>
       <c:spPr>
         <a:noFill/>
@@ -193,7 +174,7 @@
         <a:lstStyle/>
         <a:p>
           <a:pPr>
-            <a:defRPr sz="1600" b="1" i="0" u="none" strike="noStrike" kern="1200" cap="all" spc="120" normalizeH="0" baseline="0">
+            <a:defRPr sz="2400" b="1" i="0" u="none" strike="noStrike" kern="1200" cap="all" spc="120" normalizeH="0" baseline="0">
               <a:solidFill>
                 <a:schemeClr val="tx1">
                   <a:lumMod val="65000"/>
@@ -254,7 +235,7 @@
               <a:lstStyle/>
               <a:p>
                 <a:pPr>
-                  <a:defRPr sz="1800" b="0" i="0" u="none" strike="noStrike" kern="1200" baseline="0">
+                  <a:defRPr sz="2000" b="0" i="0" u="none" strike="noStrike" kern="1200" baseline="0">
                     <a:solidFill>
                       <a:schemeClr val="tx1">
                         <a:lumMod val="50000"/>
@@ -298,7 +279,7 @@
           </c:dLbls>
           <c:cat>
             <c:strRef>
-              <c:f>Feuil3!$D$366:$F$366</c:f>
+              <c:f>'Temps Ex par Iter'!$D$366:$F$366</c:f>
               <c:strCache>
                 <c:ptCount val="3"/>
                 <c:pt idx="0">
@@ -315,15 +296,15 @@
           </c:cat>
           <c:val>
             <c:numRef>
-              <c:f>Feuil3!$D$367:$F$367</c:f>
+              <c:f>'Temps Ex par Iter'!$D$367:$F$367</c:f>
               <c:numCache>
                 <c:formatCode>0.0</c:formatCode>
                 <c:ptCount val="3"/>
                 <c:pt idx="0">
-                  <c:v>9.0035050905884173</c:v>
+                  <c:v>10.853156164822829</c:v>
                 </c:pt>
                 <c:pt idx="1">
-                  <c:v>10.853156164822829</c:v>
+                  <c:v>9.0035050905884173</c:v>
                 </c:pt>
                 <c:pt idx="2">
                   <c:v>23.746799543049551</c:v>
@@ -333,7 +314,7 @@
           </c:val>
           <c:extLst>
             <c:ext xmlns:c16="http://schemas.microsoft.com/office/drawing/2014/chart" uri="{C3380CC4-5D6E-409C-BE32-E72D297353CC}">
-              <c16:uniqueId val="{00000000-6323-4AE9-ADBF-902EFBB384A7}"/>
+              <c16:uniqueId val="{00000000-E70E-44F9-94A4-DA48298E7A86}"/>
             </c:ext>
           </c:extLst>
         </c:ser>
@@ -394,7 +375,7 @@
           <a:lstStyle/>
           <a:p>
             <a:pPr>
-              <a:defRPr sz="1800" b="0" i="0" u="none" strike="noStrike" kern="1200" cap="all" spc="120" normalizeH="0" baseline="0">
+              <a:defRPr sz="2000" b="0" i="0" u="none" strike="noStrike" kern="1200" cap="all" spc="120" normalizeH="0" baseline="0">
                 <a:solidFill>
                   <a:schemeClr val="tx1">
                     <a:lumMod val="65000"/>
@@ -453,7 +434,9 @@
   <c:spPr>
     <a:noFill/>
     <a:ln>
-      <a:noFill/>
+      <a:solidFill>
+        <a:schemeClr val="tx1"/>
+      </a:solidFill>
     </a:ln>
     <a:effectLst/>
   </c:spPr>
@@ -1184,7 +1167,7 @@
           <a:p>
             <a:fld id="{97072C08-84B7-4EDB-9305-5EEDD9E8D6F4}" type="datetimeFigureOut">
               <a:rPr lang="fr-FR" smtClean="0"/>
-              <a:t>14/11/2017</a:t>
+              <a:t>30/01/2018</a:t>
             </a:fld>
             <a:endParaRPr lang="fr-FR"/>
           </a:p>
@@ -1382,7 +1365,7 @@
           <a:p>
             <a:fld id="{97072C08-84B7-4EDB-9305-5EEDD9E8D6F4}" type="datetimeFigureOut">
               <a:rPr lang="fr-FR" smtClean="0"/>
-              <a:t>14/11/2017</a:t>
+              <a:t>30/01/2018</a:t>
             </a:fld>
             <a:endParaRPr lang="fr-FR"/>
           </a:p>
@@ -1590,7 +1573,7 @@
           <a:p>
             <a:fld id="{97072C08-84B7-4EDB-9305-5EEDD9E8D6F4}" type="datetimeFigureOut">
               <a:rPr lang="fr-FR" smtClean="0"/>
-              <a:t>14/11/2017</a:t>
+              <a:t>30/01/2018</a:t>
             </a:fld>
             <a:endParaRPr lang="fr-FR"/>
           </a:p>
@@ -1788,7 +1771,7 @@
           <a:p>
             <a:fld id="{97072C08-84B7-4EDB-9305-5EEDD9E8D6F4}" type="datetimeFigureOut">
               <a:rPr lang="fr-FR" smtClean="0"/>
-              <a:t>14/11/2017</a:t>
+              <a:t>30/01/2018</a:t>
             </a:fld>
             <a:endParaRPr lang="fr-FR"/>
           </a:p>
@@ -2063,7 +2046,7 @@
           <a:p>
             <a:fld id="{97072C08-84B7-4EDB-9305-5EEDD9E8D6F4}" type="datetimeFigureOut">
               <a:rPr lang="fr-FR" smtClean="0"/>
-              <a:t>14/11/2017</a:t>
+              <a:t>30/01/2018</a:t>
             </a:fld>
             <a:endParaRPr lang="fr-FR"/>
           </a:p>
@@ -2328,7 +2311,7 @@
           <a:p>
             <a:fld id="{97072C08-84B7-4EDB-9305-5EEDD9E8D6F4}" type="datetimeFigureOut">
               <a:rPr lang="fr-FR" smtClean="0"/>
-              <a:t>14/11/2017</a:t>
+              <a:t>30/01/2018</a:t>
             </a:fld>
             <a:endParaRPr lang="fr-FR"/>
           </a:p>
@@ -2740,7 +2723,7 @@
           <a:p>
             <a:fld id="{97072C08-84B7-4EDB-9305-5EEDD9E8D6F4}" type="datetimeFigureOut">
               <a:rPr lang="fr-FR" smtClean="0"/>
-              <a:t>14/11/2017</a:t>
+              <a:t>30/01/2018</a:t>
             </a:fld>
             <a:endParaRPr lang="fr-FR"/>
           </a:p>
@@ -2881,7 +2864,7 @@
           <a:p>
             <a:fld id="{97072C08-84B7-4EDB-9305-5EEDD9E8D6F4}" type="datetimeFigureOut">
               <a:rPr lang="fr-FR" smtClean="0"/>
-              <a:t>14/11/2017</a:t>
+              <a:t>30/01/2018</a:t>
             </a:fld>
             <a:endParaRPr lang="fr-FR"/>
           </a:p>
@@ -2994,7 +2977,7 @@
           <a:p>
             <a:fld id="{97072C08-84B7-4EDB-9305-5EEDD9E8D6F4}" type="datetimeFigureOut">
               <a:rPr lang="fr-FR" smtClean="0"/>
-              <a:t>14/11/2017</a:t>
+              <a:t>30/01/2018</a:t>
             </a:fld>
             <a:endParaRPr lang="fr-FR"/>
           </a:p>
@@ -3305,7 +3288,7 @@
           <a:p>
             <a:fld id="{97072C08-84B7-4EDB-9305-5EEDD9E8D6F4}" type="datetimeFigureOut">
               <a:rPr lang="fr-FR" smtClean="0"/>
-              <a:t>14/11/2017</a:t>
+              <a:t>30/01/2018</a:t>
             </a:fld>
             <a:endParaRPr lang="fr-FR"/>
           </a:p>
@@ -3593,7 +3576,7 @@
           <a:p>
             <a:fld id="{97072C08-84B7-4EDB-9305-5EEDD9E8D6F4}" type="datetimeFigureOut">
               <a:rPr lang="fr-FR" smtClean="0"/>
-              <a:t>14/11/2017</a:t>
+              <a:t>30/01/2018</a:t>
             </a:fld>
             <a:endParaRPr lang="fr-FR"/>
           </a:p>
@@ -3834,7 +3817,7 @@
           <a:p>
             <a:fld id="{97072C08-84B7-4EDB-9305-5EEDD9E8D6F4}" type="datetimeFigureOut">
               <a:rPr lang="fr-FR" smtClean="0"/>
-              <a:t>14/11/2017</a:t>
+              <a:t>30/01/2018</a:t>
             </a:fld>
             <a:endParaRPr lang="fr-FR"/>
           </a:p>
@@ -4266,14 +4249,14 @@
           <p:nvPr>
             <p:extLst>
               <p:ext uri="{D42A27DB-BD31-4B8C-83A1-F6EECF244321}">
-                <p14:modId xmlns:p14="http://schemas.microsoft.com/office/powerpoint/2010/main" val="568981567"/>
+                <p14:modId xmlns:p14="http://schemas.microsoft.com/office/powerpoint/2010/main" val="919435388"/>
               </p:ext>
             </p:extLst>
           </p:nvPr>
         </p:nvGraphicFramePr>
         <p:xfrm>
-          <a:off x="2459619" y="830729"/>
-          <a:ext cx="8137003" cy="5419599"/>
+          <a:off x="1267428" y="816015"/>
+          <a:ext cx="10353554" cy="5677382"/>
         </p:xfrm>
         <a:graphic>
           <a:graphicData uri="http://schemas.openxmlformats.org/drawingml/2006/chart">
@@ -4284,7 +4267,7 @@
     </p:spTree>
     <p:extLst>
       <p:ext uri="{BB962C8B-B14F-4D97-AF65-F5344CB8AC3E}">
-        <p14:creationId xmlns:p14="http://schemas.microsoft.com/office/powerpoint/2010/main" val="3758969170"/>
+        <p14:creationId xmlns:p14="http://schemas.microsoft.com/office/powerpoint/2010/main" val="3417566852"/>
       </p:ext>
     </p:extLst>
   </p:cSld>

--- a/papers/Intellisys/figs/time_exec.pptx
+++ b/papers/Intellisys/figs/time_exec.pptx
@@ -110,10 +110,6 @@
     </p:ext>
   </p:extLst>
 </p:presentation>
-</file>
-
-<file path=ppt/revisionInfo.xml><?xml version="1.0" encoding="utf-8"?>
-<p1510:revInfo xmlns:a="http://schemas.openxmlformats.org/drawingml/2006/main" xmlns:r="http://schemas.openxmlformats.org/officeDocument/2006/relationships" xmlns:p1510="http://schemas.microsoft.com/office/powerpoint/2015/10/main"/>
 </file>
 
 <file path=ppt/charts/chart1.xml><?xml version="1.0" encoding="utf-8"?>
@@ -1167,7 +1163,7 @@
           <a:p>
             <a:fld id="{97072C08-84B7-4EDB-9305-5EEDD9E8D6F4}" type="datetimeFigureOut">
               <a:rPr lang="fr-FR" smtClean="0"/>
-              <a:t>30/01/2018</a:t>
+              <a:t>03/09/2018</a:t>
             </a:fld>
             <a:endParaRPr lang="fr-FR"/>
           </a:p>
@@ -1365,7 +1361,7 @@
           <a:p>
             <a:fld id="{97072C08-84B7-4EDB-9305-5EEDD9E8D6F4}" type="datetimeFigureOut">
               <a:rPr lang="fr-FR" smtClean="0"/>
-              <a:t>30/01/2018</a:t>
+              <a:t>03/09/2018</a:t>
             </a:fld>
             <a:endParaRPr lang="fr-FR"/>
           </a:p>
@@ -1573,7 +1569,7 @@
           <a:p>
             <a:fld id="{97072C08-84B7-4EDB-9305-5EEDD9E8D6F4}" type="datetimeFigureOut">
               <a:rPr lang="fr-FR" smtClean="0"/>
-              <a:t>30/01/2018</a:t>
+              <a:t>03/09/2018</a:t>
             </a:fld>
             <a:endParaRPr lang="fr-FR"/>
           </a:p>
@@ -1771,7 +1767,7 @@
           <a:p>
             <a:fld id="{97072C08-84B7-4EDB-9305-5EEDD9E8D6F4}" type="datetimeFigureOut">
               <a:rPr lang="fr-FR" smtClean="0"/>
-              <a:t>30/01/2018</a:t>
+              <a:t>03/09/2018</a:t>
             </a:fld>
             <a:endParaRPr lang="fr-FR"/>
           </a:p>
@@ -2046,7 +2042,7 @@
           <a:p>
             <a:fld id="{97072C08-84B7-4EDB-9305-5EEDD9E8D6F4}" type="datetimeFigureOut">
               <a:rPr lang="fr-FR" smtClean="0"/>
-              <a:t>30/01/2018</a:t>
+              <a:t>03/09/2018</a:t>
             </a:fld>
             <a:endParaRPr lang="fr-FR"/>
           </a:p>
@@ -2311,7 +2307,7 @@
           <a:p>
             <a:fld id="{97072C08-84B7-4EDB-9305-5EEDD9E8D6F4}" type="datetimeFigureOut">
               <a:rPr lang="fr-FR" smtClean="0"/>
-              <a:t>30/01/2018</a:t>
+              <a:t>03/09/2018</a:t>
             </a:fld>
             <a:endParaRPr lang="fr-FR"/>
           </a:p>
@@ -2723,7 +2719,7 @@
           <a:p>
             <a:fld id="{97072C08-84B7-4EDB-9305-5EEDD9E8D6F4}" type="datetimeFigureOut">
               <a:rPr lang="fr-FR" smtClean="0"/>
-              <a:t>30/01/2018</a:t>
+              <a:t>03/09/2018</a:t>
             </a:fld>
             <a:endParaRPr lang="fr-FR"/>
           </a:p>
@@ -2864,7 +2860,7 @@
           <a:p>
             <a:fld id="{97072C08-84B7-4EDB-9305-5EEDD9E8D6F4}" type="datetimeFigureOut">
               <a:rPr lang="fr-FR" smtClean="0"/>
-              <a:t>30/01/2018</a:t>
+              <a:t>03/09/2018</a:t>
             </a:fld>
             <a:endParaRPr lang="fr-FR"/>
           </a:p>
@@ -2977,7 +2973,7 @@
           <a:p>
             <a:fld id="{97072C08-84B7-4EDB-9305-5EEDD9E8D6F4}" type="datetimeFigureOut">
               <a:rPr lang="fr-FR" smtClean="0"/>
-              <a:t>30/01/2018</a:t>
+              <a:t>03/09/2018</a:t>
             </a:fld>
             <a:endParaRPr lang="fr-FR"/>
           </a:p>
@@ -3288,7 +3284,7 @@
           <a:p>
             <a:fld id="{97072C08-84B7-4EDB-9305-5EEDD9E8D6F4}" type="datetimeFigureOut">
               <a:rPr lang="fr-FR" smtClean="0"/>
-              <a:t>30/01/2018</a:t>
+              <a:t>03/09/2018</a:t>
             </a:fld>
             <a:endParaRPr lang="fr-FR"/>
           </a:p>
@@ -3576,7 +3572,7 @@
           <a:p>
             <a:fld id="{97072C08-84B7-4EDB-9305-5EEDD9E8D6F4}" type="datetimeFigureOut">
               <a:rPr lang="fr-FR" smtClean="0"/>
-              <a:t>30/01/2018</a:t>
+              <a:t>03/09/2018</a:t>
             </a:fld>
             <a:endParaRPr lang="fr-FR"/>
           </a:p>
@@ -3817,7 +3813,7 @@
           <a:p>
             <a:fld id="{97072C08-84B7-4EDB-9305-5EEDD9E8D6F4}" type="datetimeFigureOut">
               <a:rPr lang="fr-FR" smtClean="0"/>
-              <a:t>30/01/2018</a:t>
+              <a:t>03/09/2018</a:t>
             </a:fld>
             <a:endParaRPr lang="fr-FR"/>
           </a:p>
@@ -4249,7 +4245,7 @@
           <p:nvPr>
             <p:extLst>
               <p:ext uri="{D42A27DB-BD31-4B8C-83A1-F6EECF244321}">
-                <p14:modId xmlns:p14="http://schemas.microsoft.com/office/powerpoint/2010/main" val="919435388"/>
+                <p14:modId xmlns:p14="http://schemas.microsoft.com/office/powerpoint/2010/main" val="1426035205"/>
               </p:ext>
             </p:extLst>
           </p:nvPr>
